--- a/真神羔羊.pptx
+++ b/真神羔羊.pptx
@@ -293,7 +293,7 @@
           <a:p>
             <a:fld id="{2A70704C-C8AC-438F-9B0B-E95BFB932FEA}" type="datetimeFigureOut">
               <a:rPr lang="en-US" smtClean="0"/>
-              <a:t>4/16/2019</a:t>
+              <a:t>4/17/2019</a:t>
             </a:fld>
             <a:endParaRPr lang="en-US"/>
           </a:p>
@@ -463,7 +463,7 @@
           <a:p>
             <a:fld id="{2A70704C-C8AC-438F-9B0B-E95BFB932FEA}" type="datetimeFigureOut">
               <a:rPr lang="en-US" smtClean="0"/>
-              <a:t>4/16/2019</a:t>
+              <a:t>4/17/2019</a:t>
             </a:fld>
             <a:endParaRPr lang="en-US"/>
           </a:p>
@@ -643,7 +643,7 @@
           <a:p>
             <a:fld id="{2A70704C-C8AC-438F-9B0B-E95BFB932FEA}" type="datetimeFigureOut">
               <a:rPr lang="en-US" smtClean="0"/>
-              <a:t>4/16/2019</a:t>
+              <a:t>4/17/2019</a:t>
             </a:fld>
             <a:endParaRPr lang="en-US"/>
           </a:p>
@@ -813,7 +813,7 @@
           <a:p>
             <a:fld id="{2A70704C-C8AC-438F-9B0B-E95BFB932FEA}" type="datetimeFigureOut">
               <a:rPr lang="en-US" smtClean="0"/>
-              <a:t>4/16/2019</a:t>
+              <a:t>4/17/2019</a:t>
             </a:fld>
             <a:endParaRPr lang="en-US"/>
           </a:p>
@@ -1059,7 +1059,7 @@
           <a:p>
             <a:fld id="{2A70704C-C8AC-438F-9B0B-E95BFB932FEA}" type="datetimeFigureOut">
               <a:rPr lang="en-US" smtClean="0"/>
-              <a:t>4/16/2019</a:t>
+              <a:t>4/17/2019</a:t>
             </a:fld>
             <a:endParaRPr lang="en-US"/>
           </a:p>
@@ -1347,7 +1347,7 @@
           <a:p>
             <a:fld id="{2A70704C-C8AC-438F-9B0B-E95BFB932FEA}" type="datetimeFigureOut">
               <a:rPr lang="en-US" smtClean="0"/>
-              <a:t>4/16/2019</a:t>
+              <a:t>4/17/2019</a:t>
             </a:fld>
             <a:endParaRPr lang="en-US"/>
           </a:p>
@@ -1769,7 +1769,7 @@
           <a:p>
             <a:fld id="{2A70704C-C8AC-438F-9B0B-E95BFB932FEA}" type="datetimeFigureOut">
               <a:rPr lang="en-US" smtClean="0"/>
-              <a:t>4/16/2019</a:t>
+              <a:t>4/17/2019</a:t>
             </a:fld>
             <a:endParaRPr lang="en-US"/>
           </a:p>
@@ -1887,7 +1887,7 @@
           <a:p>
             <a:fld id="{2A70704C-C8AC-438F-9B0B-E95BFB932FEA}" type="datetimeFigureOut">
               <a:rPr lang="en-US" smtClean="0"/>
-              <a:t>4/16/2019</a:t>
+              <a:t>4/17/2019</a:t>
             </a:fld>
             <a:endParaRPr lang="en-US"/>
           </a:p>
@@ -1982,7 +1982,7 @@
           <a:p>
             <a:fld id="{2A70704C-C8AC-438F-9B0B-E95BFB932FEA}" type="datetimeFigureOut">
               <a:rPr lang="en-US" smtClean="0"/>
-              <a:t>4/16/2019</a:t>
+              <a:t>4/17/2019</a:t>
             </a:fld>
             <a:endParaRPr lang="en-US"/>
           </a:p>
@@ -2259,7 +2259,7 @@
           <a:p>
             <a:fld id="{2A70704C-C8AC-438F-9B0B-E95BFB932FEA}" type="datetimeFigureOut">
               <a:rPr lang="en-US" smtClean="0"/>
-              <a:t>4/16/2019</a:t>
+              <a:t>4/17/2019</a:t>
             </a:fld>
             <a:endParaRPr lang="en-US"/>
           </a:p>
@@ -2512,7 +2512,7 @@
           <a:p>
             <a:fld id="{2A70704C-C8AC-438F-9B0B-E95BFB932FEA}" type="datetimeFigureOut">
               <a:rPr lang="en-US" smtClean="0"/>
-              <a:t>4/16/2019</a:t>
+              <a:t>4/17/2019</a:t>
             </a:fld>
             <a:endParaRPr lang="en-US"/>
           </a:p>
@@ -2725,7 +2725,7 @@
           <a:p>
             <a:fld id="{2A70704C-C8AC-438F-9B0B-E95BFB932FEA}" type="datetimeFigureOut">
               <a:rPr lang="en-US" smtClean="0"/>
-              <a:t>4/16/2019</a:t>
+              <a:t>4/17/2019</a:t>
             </a:fld>
             <a:endParaRPr lang="en-US"/>
           </a:p>
@@ -3814,7 +3814,28 @@
                 <a:latin typeface="Microsoft JhengHei" pitchFamily="34" charset="-120"/>
                 <a:ea typeface="Microsoft JhengHei" pitchFamily="34" charset="-120"/>
               </a:rPr>
-              <a:t>前我失喪   真神羔羊</a:t>
+              <a:t>前我失</a:t>
+            </a:r>
+            <a:r>
+              <a:rPr lang="zh-TW" altLang="en-US" sz="5400" b="1" dirty="0" smtClean="0">
+                <a:latin typeface="Microsoft JhengHei" pitchFamily="34" charset="-120"/>
+                <a:ea typeface="Microsoft JhengHei" pitchFamily="34" charset="-120"/>
+              </a:rPr>
+              <a:t>喪   </a:t>
+            </a:r>
+            <a:r>
+              <a:rPr lang="zh-CN" altLang="en-US" sz="5400" b="1" dirty="0">
+                <a:latin typeface="Microsoft JhengHei" pitchFamily="34" charset="-120"/>
+                <a:ea typeface="Microsoft JhengHei" pitchFamily="34" charset="-120"/>
+              </a:rPr>
+              <a:t>毫</a:t>
+            </a:r>
+            <a:r>
+              <a:rPr lang="zh-CN" altLang="en-US" sz="5400" b="1" dirty="0">
+                <a:latin typeface="Microsoft JhengHei" pitchFamily="34" charset="-120"/>
+                <a:ea typeface="Microsoft JhengHei" pitchFamily="34" charset="-120"/>
+              </a:rPr>
+              <a:t>無盼望</a:t>
             </a:r>
             <a:endParaRPr lang="en-US" altLang="zh-TW" sz="5400" b="1" dirty="0">
               <a:latin typeface="Microsoft JhengHei" pitchFamily="34" charset="-120"/>
